--- a/Document/NguyenThaiSon.pptx
+++ b/Document/NguyenThaiSon.pptx
@@ -5,15 +5,17 @@
     <p:sldMasterId id="2147483708" r:id="rId1"/>
   </p:sldMasterIdLst>
   <p:notesMasterIdLst>
-    <p:notesMasterId r:id="rId8"/>
+    <p:notesMasterId r:id="rId10"/>
   </p:notesMasterIdLst>
   <p:sldIdLst>
     <p:sldId id="256" r:id="rId2"/>
     <p:sldId id="257" r:id="rId3"/>
     <p:sldId id="258" r:id="rId4"/>
     <p:sldId id="259" r:id="rId5"/>
-    <p:sldId id="260" r:id="rId6"/>
-    <p:sldId id="261" r:id="rId7"/>
+    <p:sldId id="262" r:id="rId6"/>
+    <p:sldId id="260" r:id="rId7"/>
+    <p:sldId id="261" r:id="rId8"/>
+    <p:sldId id="263" r:id="rId9"/>
   </p:sldIdLst>
   <p:sldSz cx="9144000" cy="6858000" type="screen4x3"/>
   <p:notesSz cx="6858000" cy="9144000"/>
@@ -198,7 +200,7 @@
             <a:fld id="{B7AC20D6-5A30-436E-882D-BE0CD4BDD910}" type="datetimeFigureOut">
               <a:rPr lang="en-US" smtClean="0"/>
               <a:pPr/>
-              <a:t>7/19/2015</a:t>
+              <a:t>7/21/2015</a:t>
             </a:fld>
             <a:endParaRPr lang="en-US"/>
           </a:p>
@@ -720,7 +722,7 @@
             <a:fld id="{1D8BD707-D9CF-40AE-B4C6-C98DA3205C09}" type="datetimeFigureOut">
               <a:rPr lang="en-US" smtClean="0"/>
               <a:pPr/>
-              <a:t>7/19/2015</a:t>
+              <a:t>7/21/2015</a:t>
             </a:fld>
             <a:endParaRPr lang="en-US"/>
           </a:p>
@@ -887,7 +889,7 @@
             <a:fld id="{1D8BD707-D9CF-40AE-B4C6-C98DA3205C09}" type="datetimeFigureOut">
               <a:rPr lang="en-US" smtClean="0"/>
               <a:pPr/>
-              <a:t>7/19/2015</a:t>
+              <a:t>7/21/2015</a:t>
             </a:fld>
             <a:endParaRPr lang="en-US"/>
           </a:p>
@@ -1064,7 +1066,7 @@
             <a:fld id="{1D8BD707-D9CF-40AE-B4C6-C98DA3205C09}" type="datetimeFigureOut">
               <a:rPr lang="en-US" smtClean="0"/>
               <a:pPr/>
-              <a:t>7/19/2015</a:t>
+              <a:t>7/21/2015</a:t>
             </a:fld>
             <a:endParaRPr lang="en-US"/>
           </a:p>
@@ -1231,7 +1233,7 @@
             <a:fld id="{1D8BD707-D9CF-40AE-B4C6-C98DA3205C09}" type="datetimeFigureOut">
               <a:rPr lang="en-US" smtClean="0"/>
               <a:pPr/>
-              <a:t>7/19/2015</a:t>
+              <a:t>7/21/2015</a:t>
             </a:fld>
             <a:endParaRPr lang="en-US"/>
           </a:p>
@@ -1475,7 +1477,7 @@
             <a:fld id="{1D8BD707-D9CF-40AE-B4C6-C98DA3205C09}" type="datetimeFigureOut">
               <a:rPr lang="en-US" smtClean="0"/>
               <a:pPr/>
-              <a:t>7/19/2015</a:t>
+              <a:t>7/21/2015</a:t>
             </a:fld>
             <a:endParaRPr lang="en-US"/>
           </a:p>
@@ -1741,7 +1743,7 @@
             <a:fld id="{1D8BD707-D9CF-40AE-B4C6-C98DA3205C09}" type="datetimeFigureOut">
               <a:rPr lang="en-US" smtClean="0"/>
               <a:pPr/>
-              <a:t>7/19/2015</a:t>
+              <a:t>7/21/2015</a:t>
             </a:fld>
             <a:endParaRPr lang="en-US"/>
           </a:p>
@@ -2121,7 +2123,7 @@
             <a:fld id="{1D8BD707-D9CF-40AE-B4C6-C98DA3205C09}" type="datetimeFigureOut">
               <a:rPr lang="en-US" smtClean="0"/>
               <a:pPr/>
-              <a:t>7/19/2015</a:t>
+              <a:t>7/21/2015</a:t>
             </a:fld>
             <a:endParaRPr lang="en-US"/>
           </a:p>
@@ -2273,7 +2275,7 @@
             <a:fld id="{1D8BD707-D9CF-40AE-B4C6-C98DA3205C09}" type="datetimeFigureOut">
               <a:rPr lang="en-US" smtClean="0"/>
               <a:pPr/>
-              <a:t>7/19/2015</a:t>
+              <a:t>7/21/2015</a:t>
             </a:fld>
             <a:endParaRPr lang="en-US"/>
           </a:p>
@@ -2365,7 +2367,7 @@
             <a:fld id="{1D8BD707-D9CF-40AE-B4C6-C98DA3205C09}" type="datetimeFigureOut">
               <a:rPr lang="en-US" smtClean="0"/>
               <a:pPr/>
-              <a:t>7/19/2015</a:t>
+              <a:t>7/21/2015</a:t>
             </a:fld>
             <a:endParaRPr lang="en-US"/>
           </a:p>
@@ -2628,7 +2630,7 @@
             <a:fld id="{1D8BD707-D9CF-40AE-B4C6-C98DA3205C09}" type="datetimeFigureOut">
               <a:rPr lang="en-US" smtClean="0"/>
               <a:pPr/>
-              <a:t>7/19/2015</a:t>
+              <a:t>7/21/2015</a:t>
             </a:fld>
             <a:endParaRPr lang="en-US"/>
           </a:p>
@@ -2918,7 +2920,7 @@
             <a:fld id="{1D8BD707-D9CF-40AE-B4C6-C98DA3205C09}" type="datetimeFigureOut">
               <a:rPr lang="en-US" smtClean="0"/>
               <a:pPr/>
-              <a:t>7/19/2015</a:t>
+              <a:t>7/21/2015</a:t>
             </a:fld>
             <a:endParaRPr lang="en-US"/>
           </a:p>
@@ -3691,7 +3693,7 @@
             <a:fld id="{1D8BD707-D9CF-40AE-B4C6-C98DA3205C09}" type="datetimeFigureOut">
               <a:rPr lang="en-US" smtClean="0"/>
               <a:pPr/>
-              <a:t>7/19/2015</a:t>
+              <a:t>7/21/2015</a:t>
             </a:fld>
             <a:endParaRPr lang="en-US"/>
           </a:p>
@@ -4658,7 +4660,7 @@
         </p:blipFill>
         <p:spPr>
           <a:xfrm>
-            <a:off x="2057400" y="1447800"/>
+            <a:off x="1905000" y="1219200"/>
             <a:ext cx="2361372" cy="4525963"/>
           </a:xfrm>
         </p:spPr>
@@ -4679,7 +4681,7 @@
         </p:blipFill>
         <p:spPr>
           <a:xfrm>
-            <a:off x="5257800" y="1447800"/>
+            <a:off x="4953000" y="1219200"/>
             <a:ext cx="2361372" cy="4648200"/>
           </a:xfrm>
           <a:prstGeom prst="rect">
@@ -4687,6 +4689,150 @@
           </a:prstGeom>
         </p:spPr>
       </p:pic>
+      <p:sp>
+        <p:nvSpPr>
+          <p:cNvPr id="6" name="Rectangle 5"/>
+          <p:cNvSpPr/>
+          <p:nvPr/>
+        </p:nvSpPr>
+        <p:spPr>
+          <a:xfrm>
+            <a:off x="457200" y="5867400"/>
+            <a:ext cx="8001000" cy="646331"/>
+          </a:xfrm>
+          <a:prstGeom prst="rect">
+            <a:avLst/>
+          </a:prstGeom>
+        </p:spPr>
+        <p:txBody>
+          <a:bodyPr wrap="square">
+            <a:spAutoFit/>
+          </a:bodyPr>
+          <a:lstStyle/>
+          <a:p>
+            <a:r>
+              <a:rPr lang="en-US" dirty="0" err="1" smtClean="0"/>
+              <a:t>Chức</a:t>
+            </a:r>
+            <a:r>
+              <a:rPr lang="en-US" dirty="0" smtClean="0"/>
+              <a:t> </a:t>
+            </a:r>
+            <a:r>
+              <a:rPr lang="en-US" dirty="0" err="1" smtClean="0"/>
+              <a:t>năng</a:t>
+            </a:r>
+            <a:r>
+              <a:rPr lang="en-US" dirty="0" smtClean="0"/>
+              <a:t>: </a:t>
+            </a:r>
+            <a:r>
+              <a:rPr lang="en-US" dirty="0" err="1" smtClean="0"/>
+              <a:t>Truy</a:t>
+            </a:r>
+            <a:r>
+              <a:rPr lang="en-US" dirty="0" smtClean="0"/>
+              <a:t> </a:t>
+            </a:r>
+            <a:r>
+              <a:rPr lang="en-US" dirty="0" err="1" smtClean="0"/>
+              <a:t>vấn</a:t>
+            </a:r>
+            <a:r>
+              <a:rPr lang="en-US" dirty="0" smtClean="0"/>
+              <a:t> </a:t>
+            </a:r>
+            <a:r>
+              <a:rPr lang="en-US" dirty="0" err="1" smtClean="0"/>
+              <a:t>lên</a:t>
+            </a:r>
+            <a:r>
+              <a:rPr lang="en-US" dirty="0" smtClean="0"/>
+              <a:t> sever  zing </a:t>
+            </a:r>
+            <a:r>
+              <a:rPr lang="en-US" dirty="0" err="1" smtClean="0"/>
+              <a:t>để</a:t>
+            </a:r>
+            <a:r>
+              <a:rPr lang="en-US" dirty="0" smtClean="0"/>
+              <a:t> </a:t>
+            </a:r>
+            <a:r>
+              <a:rPr lang="en-US" dirty="0" err="1" smtClean="0"/>
+              <a:t>lấy</a:t>
+            </a:r>
+            <a:r>
+              <a:rPr lang="en-US" dirty="0" smtClean="0"/>
+              <a:t> </a:t>
+            </a:r>
+            <a:r>
+              <a:rPr lang="en-US" dirty="0" err="1" smtClean="0"/>
+              <a:t>vè</a:t>
+            </a:r>
+            <a:r>
+              <a:rPr lang="en-US" dirty="0" smtClean="0"/>
+              <a:t> </a:t>
+            </a:r>
+            <a:r>
+              <a:rPr lang="en-US" dirty="0" err="1" smtClean="0"/>
+              <a:t>chuỗi</a:t>
+            </a:r>
+            <a:r>
+              <a:rPr lang="en-US" dirty="0" smtClean="0"/>
+              <a:t> </a:t>
+            </a:r>
+            <a:r>
+              <a:rPr lang="en-US" dirty="0" err="1" smtClean="0"/>
+              <a:t>json</a:t>
+            </a:r>
+            <a:r>
+              <a:rPr lang="en-US" dirty="0" smtClean="0"/>
+              <a:t> </a:t>
+            </a:r>
+            <a:r>
+              <a:rPr lang="en-US" dirty="0" err="1" smtClean="0"/>
+              <a:t>và</a:t>
+            </a:r>
+            <a:r>
+              <a:rPr lang="en-US" dirty="0" smtClean="0"/>
+              <a:t> parse </a:t>
+            </a:r>
+            <a:r>
+              <a:rPr lang="en-US" dirty="0" err="1" smtClean="0"/>
+              <a:t>dữ</a:t>
+            </a:r>
+            <a:r>
+              <a:rPr lang="en-US" dirty="0" smtClean="0"/>
+              <a:t> </a:t>
+            </a:r>
+            <a:r>
+              <a:rPr lang="en-US" dirty="0" err="1" smtClean="0"/>
+              <a:t>liệu</a:t>
+            </a:r>
+            <a:r>
+              <a:rPr lang="en-US" dirty="0" smtClean="0"/>
+              <a:t> </a:t>
+            </a:r>
+            <a:r>
+              <a:rPr lang="en-US" dirty="0" err="1" smtClean="0"/>
+              <a:t>hiện</a:t>
+            </a:r>
+            <a:r>
+              <a:rPr lang="en-US" dirty="0" smtClean="0"/>
+              <a:t> </a:t>
+            </a:r>
+            <a:r>
+              <a:rPr lang="en-US" dirty="0" err="1" smtClean="0"/>
+              <a:t>lên</a:t>
+            </a:r>
+            <a:r>
+              <a:rPr lang="en-US" dirty="0" smtClean="0"/>
+              <a:t> list view</a:t>
+            </a:r>
+          </a:p>
+        </p:txBody>
+      </p:sp>
     </p:spTree>
   </p:cSld>
   <p:clrMapOvr>
@@ -4807,6 +4953,558 @@
       </p:grpSpPr>
       <p:sp>
         <p:nvSpPr>
+          <p:cNvPr id="3" name="Content Placeholder 2"/>
+          <p:cNvSpPr>
+            <a:spLocks noGrp="1"/>
+          </p:cNvSpPr>
+          <p:nvPr>
+            <p:ph idx="1"/>
+          </p:nvPr>
+        </p:nvSpPr>
+        <p:spPr>
+          <a:xfrm>
+            <a:off x="533400" y="609600"/>
+            <a:ext cx="8229600" cy="5791200"/>
+          </a:xfrm>
+        </p:spPr>
+        <p:txBody>
+          <a:bodyPr>
+            <a:normAutofit/>
+          </a:bodyPr>
+          <a:lstStyle/>
+          <a:p>
+            <a:pPr>
+              <a:buNone/>
+            </a:pPr>
+            <a:r>
+              <a:rPr lang="en-US" dirty="0" err="1" smtClean="0"/>
+              <a:t>Chức</a:t>
+            </a:r>
+            <a:r>
+              <a:rPr lang="en-US" dirty="0" smtClean="0"/>
+              <a:t> </a:t>
+            </a:r>
+            <a:r>
+              <a:rPr lang="en-US" dirty="0" err="1" smtClean="0"/>
+              <a:t>năng</a:t>
+            </a:r>
+            <a:r>
+              <a:rPr lang="en-US" dirty="0" smtClean="0"/>
+              <a:t>: Play </a:t>
+            </a:r>
+            <a:r>
+              <a:rPr lang="en-US" dirty="0" err="1" smtClean="0"/>
+              <a:t>nhạc</a:t>
+            </a:r>
+            <a:r>
+              <a:rPr lang="en-US" dirty="0" smtClean="0"/>
+              <a:t> </a:t>
+            </a:r>
+            <a:r>
+              <a:rPr lang="en-US" dirty="0" err="1" smtClean="0"/>
+              <a:t>theo</a:t>
+            </a:r>
+            <a:r>
+              <a:rPr lang="en-US" dirty="0" smtClean="0"/>
+              <a:t> </a:t>
+            </a:r>
+            <a:r>
+              <a:rPr lang="en-US" dirty="0" err="1" smtClean="0"/>
+              <a:t>bài</a:t>
+            </a:r>
+            <a:r>
+              <a:rPr lang="en-US" dirty="0" smtClean="0"/>
+              <a:t> </a:t>
+            </a:r>
+            <a:r>
+              <a:rPr lang="en-US" dirty="0" err="1" smtClean="0"/>
+              <a:t>hát</a:t>
+            </a:r>
+            <a:r>
+              <a:rPr lang="en-US" dirty="0" smtClean="0"/>
+              <a:t> </a:t>
+            </a:r>
+            <a:r>
+              <a:rPr lang="en-US" dirty="0" err="1" smtClean="0"/>
+              <a:t>mà</a:t>
+            </a:r>
+            <a:r>
+              <a:rPr lang="en-US" dirty="0" smtClean="0"/>
+              <a:t> </a:t>
+            </a:r>
+            <a:r>
+              <a:rPr lang="en-US" dirty="0" err="1" smtClean="0"/>
+              <a:t>người</a:t>
+            </a:r>
+            <a:r>
+              <a:rPr lang="en-US" dirty="0" smtClean="0"/>
+              <a:t> </a:t>
+            </a:r>
+            <a:r>
+              <a:rPr lang="en-US" dirty="0" err="1" smtClean="0"/>
+              <a:t>dùng</a:t>
+            </a:r>
+            <a:r>
+              <a:rPr lang="en-US" dirty="0" smtClean="0"/>
+              <a:t> </a:t>
+            </a:r>
+            <a:r>
+              <a:rPr lang="en-US" dirty="0" err="1" smtClean="0"/>
+              <a:t>đã</a:t>
+            </a:r>
+            <a:r>
+              <a:rPr lang="en-US" dirty="0" smtClean="0"/>
+              <a:t> </a:t>
+            </a:r>
+            <a:r>
+              <a:rPr lang="en-US" dirty="0" err="1" smtClean="0"/>
+              <a:t>chọn</a:t>
+            </a:r>
+            <a:r>
+              <a:rPr lang="en-US" dirty="0" smtClean="0"/>
+              <a:t>,</a:t>
+            </a:r>
+          </a:p>
+          <a:p>
+            <a:r>
+              <a:rPr lang="en-US" dirty="0" smtClean="0"/>
+              <a:t>Next: Play </a:t>
+            </a:r>
+            <a:r>
+              <a:rPr lang="en-US" dirty="0" err="1" smtClean="0"/>
+              <a:t>bài</a:t>
+            </a:r>
+            <a:r>
+              <a:rPr lang="en-US" dirty="0" smtClean="0"/>
+              <a:t> </a:t>
+            </a:r>
+            <a:r>
+              <a:rPr lang="en-US" dirty="0" err="1" smtClean="0"/>
+              <a:t>kết</a:t>
+            </a:r>
+            <a:r>
+              <a:rPr lang="en-US" dirty="0" smtClean="0"/>
+              <a:t> </a:t>
+            </a:r>
+            <a:r>
+              <a:rPr lang="en-US" dirty="0" err="1" smtClean="0"/>
+              <a:t>tiếp</a:t>
+            </a:r>
+            <a:r>
+              <a:rPr lang="en-US" dirty="0" smtClean="0"/>
+              <a:t> so </a:t>
+            </a:r>
+            <a:r>
+              <a:rPr lang="en-US" dirty="0" err="1" smtClean="0"/>
+              <a:t>với</a:t>
+            </a:r>
+            <a:r>
+              <a:rPr lang="en-US" dirty="0" smtClean="0"/>
+              <a:t> </a:t>
+            </a:r>
+            <a:r>
+              <a:rPr lang="en-US" dirty="0" err="1" smtClean="0"/>
+              <a:t>bài</a:t>
+            </a:r>
+            <a:r>
+              <a:rPr lang="en-US" dirty="0" smtClean="0"/>
+              <a:t> </a:t>
+            </a:r>
+            <a:r>
+              <a:rPr lang="en-US" dirty="0" err="1" smtClean="0"/>
+              <a:t>hiện</a:t>
+            </a:r>
+            <a:r>
+              <a:rPr lang="en-US" dirty="0" smtClean="0"/>
+              <a:t> </a:t>
+            </a:r>
+            <a:r>
+              <a:rPr lang="en-US" dirty="0" err="1" smtClean="0"/>
+              <a:t>tại</a:t>
+            </a:r>
+            <a:endParaRPr lang="en-US" dirty="0" smtClean="0"/>
+          </a:p>
+          <a:p>
+            <a:r>
+              <a:rPr lang="en-US" dirty="0" err="1" smtClean="0"/>
+              <a:t>Previous:Play</a:t>
+            </a:r>
+            <a:r>
+              <a:rPr lang="en-US" dirty="0" smtClean="0"/>
+              <a:t> </a:t>
+            </a:r>
+            <a:r>
+              <a:rPr lang="en-US" dirty="0" err="1" smtClean="0"/>
+              <a:t>bài</a:t>
+            </a:r>
+            <a:r>
+              <a:rPr lang="en-US" dirty="0" smtClean="0"/>
+              <a:t> </a:t>
+            </a:r>
+            <a:r>
+              <a:rPr lang="en-US" dirty="0" err="1" smtClean="0"/>
+              <a:t>phía</a:t>
+            </a:r>
+            <a:r>
+              <a:rPr lang="en-US" dirty="0" smtClean="0"/>
+              <a:t> </a:t>
+            </a:r>
+            <a:r>
+              <a:rPr lang="en-US" dirty="0" err="1" smtClean="0"/>
+              <a:t>trước</a:t>
+            </a:r>
+            <a:r>
+              <a:rPr lang="en-US" dirty="0" smtClean="0"/>
+              <a:t> </a:t>
+            </a:r>
+            <a:r>
+              <a:rPr lang="en-US" dirty="0" err="1" smtClean="0"/>
+              <a:t>bài</a:t>
+            </a:r>
+            <a:r>
+              <a:rPr lang="en-US" dirty="0" smtClean="0"/>
+              <a:t> </a:t>
+            </a:r>
+            <a:r>
+              <a:rPr lang="en-US" dirty="0" err="1" smtClean="0"/>
+              <a:t>hiện</a:t>
+            </a:r>
+            <a:r>
+              <a:rPr lang="en-US" dirty="0" smtClean="0"/>
+              <a:t> </a:t>
+            </a:r>
+            <a:r>
+              <a:rPr lang="en-US" dirty="0" err="1" smtClean="0"/>
+              <a:t>tại</a:t>
+            </a:r>
+            <a:endParaRPr lang="en-US" dirty="0" smtClean="0"/>
+          </a:p>
+          <a:p>
+            <a:r>
+              <a:rPr lang="en-US" dirty="0" err="1" smtClean="0"/>
+              <a:t>Pause:Ngừng</a:t>
+            </a:r>
+            <a:r>
+              <a:rPr lang="en-US" dirty="0" smtClean="0"/>
+              <a:t> </a:t>
+            </a:r>
+            <a:r>
+              <a:rPr lang="en-US" dirty="0" err="1" smtClean="0"/>
+              <a:t>hoặc</a:t>
+            </a:r>
+            <a:r>
+              <a:rPr lang="en-US" dirty="0" smtClean="0"/>
+              <a:t> </a:t>
+            </a:r>
+            <a:r>
+              <a:rPr lang="en-US" dirty="0" err="1" smtClean="0"/>
+              <a:t>phát</a:t>
+            </a:r>
+            <a:r>
+              <a:rPr lang="en-US" dirty="0" smtClean="0"/>
+              <a:t> </a:t>
+            </a:r>
+            <a:r>
+              <a:rPr lang="en-US" dirty="0" err="1" smtClean="0"/>
+              <a:t>bài</a:t>
+            </a:r>
+            <a:r>
+              <a:rPr lang="en-US" dirty="0" smtClean="0"/>
+              <a:t> </a:t>
+            </a:r>
+            <a:r>
+              <a:rPr lang="en-US" dirty="0" err="1" smtClean="0"/>
+              <a:t>hát</a:t>
+            </a:r>
+            <a:r>
+              <a:rPr lang="en-US" dirty="0" smtClean="0"/>
+              <a:t> </a:t>
+            </a:r>
+          </a:p>
+          <a:p>
+            <a:r>
+              <a:rPr lang="en-US" dirty="0" err="1" smtClean="0"/>
+              <a:t>Play:play</a:t>
+            </a:r>
+            <a:r>
+              <a:rPr lang="en-US" dirty="0" smtClean="0"/>
+              <a:t> </a:t>
+            </a:r>
+            <a:r>
+              <a:rPr lang="en-US" dirty="0" err="1" smtClean="0"/>
+              <a:t>bài</a:t>
+            </a:r>
+            <a:r>
+              <a:rPr lang="en-US" dirty="0" smtClean="0"/>
+              <a:t> </a:t>
+            </a:r>
+            <a:r>
+              <a:rPr lang="en-US" dirty="0" err="1" smtClean="0"/>
+              <a:t>hát</a:t>
+            </a:r>
+            <a:r>
+              <a:rPr lang="en-US" dirty="0" smtClean="0"/>
+              <a:t> </a:t>
+            </a:r>
+            <a:r>
+              <a:rPr lang="en-US" dirty="0" err="1" smtClean="0"/>
+              <a:t>lại</a:t>
+            </a:r>
+            <a:r>
+              <a:rPr lang="en-US" dirty="0" smtClean="0"/>
+              <a:t> </a:t>
+            </a:r>
+            <a:r>
+              <a:rPr lang="en-US" dirty="0" err="1" smtClean="0"/>
+              <a:t>từ</a:t>
+            </a:r>
+            <a:r>
+              <a:rPr lang="en-US" dirty="0" smtClean="0"/>
+              <a:t> </a:t>
+            </a:r>
+            <a:r>
+              <a:rPr lang="en-US" dirty="0" err="1" smtClean="0"/>
+              <a:t>đầu</a:t>
+            </a:r>
+            <a:endParaRPr lang="en-US" dirty="0" smtClean="0"/>
+          </a:p>
+          <a:p>
+            <a:pPr>
+              <a:buNone/>
+            </a:pPr>
+            <a:r>
+              <a:rPr lang="en-US" dirty="0" err="1" smtClean="0"/>
+              <a:t>ViewPager</a:t>
+            </a:r>
+            <a:r>
+              <a:rPr lang="en-US" dirty="0" smtClean="0"/>
+              <a:t>  </a:t>
+            </a:r>
+            <a:r>
+              <a:rPr lang="en-US" dirty="0" err="1" smtClean="0"/>
+              <a:t>gồm</a:t>
+            </a:r>
+            <a:r>
+              <a:rPr lang="en-US" dirty="0" smtClean="0"/>
+              <a:t> 2 Fragment </a:t>
+            </a:r>
+          </a:p>
+          <a:p>
+            <a:pPr>
+              <a:buNone/>
+            </a:pPr>
+            <a:r>
+              <a:rPr lang="en-US" dirty="0" smtClean="0"/>
+              <a:t>Fragment 1: </a:t>
+            </a:r>
+            <a:r>
+              <a:rPr lang="en-US" dirty="0" err="1" smtClean="0"/>
+              <a:t>chứ</a:t>
+            </a:r>
+            <a:r>
+              <a:rPr lang="en-US" dirty="0" smtClean="0"/>
+              <a:t> </a:t>
+            </a:r>
+            <a:r>
+              <a:rPr lang="en-US" dirty="0" err="1" smtClean="0"/>
+              <a:t>thông</a:t>
+            </a:r>
+            <a:r>
+              <a:rPr lang="en-US" dirty="0" smtClean="0"/>
+              <a:t> tin </a:t>
+            </a:r>
+            <a:r>
+              <a:rPr lang="en-US" dirty="0" err="1" smtClean="0"/>
+              <a:t>bài</a:t>
+            </a:r>
+            <a:r>
+              <a:rPr lang="en-US" dirty="0" smtClean="0"/>
+              <a:t> </a:t>
+            </a:r>
+            <a:r>
+              <a:rPr lang="en-US" dirty="0" err="1" smtClean="0"/>
+              <a:t>hát</a:t>
+            </a:r>
+            <a:r>
+              <a:rPr lang="en-US" dirty="0" smtClean="0"/>
+              <a:t> </a:t>
+            </a:r>
+            <a:r>
+              <a:rPr lang="en-US" dirty="0" err="1" smtClean="0"/>
+              <a:t>đang</a:t>
+            </a:r>
+            <a:r>
+              <a:rPr lang="en-US" dirty="0" smtClean="0"/>
+              <a:t> play</a:t>
+            </a:r>
+          </a:p>
+          <a:p>
+            <a:pPr>
+              <a:buNone/>
+            </a:pPr>
+            <a:r>
+              <a:rPr lang="en-US" dirty="0" smtClean="0"/>
+              <a:t>Fragment 2: </a:t>
+            </a:r>
+            <a:r>
+              <a:rPr lang="en-US" dirty="0" err="1" smtClean="0"/>
+              <a:t>chứa</a:t>
+            </a:r>
+            <a:r>
+              <a:rPr lang="en-US" dirty="0" smtClean="0"/>
+              <a:t> </a:t>
+            </a:r>
+            <a:r>
+              <a:rPr lang="en-US" dirty="0" err="1" smtClean="0"/>
+              <a:t>danh</a:t>
+            </a:r>
+            <a:r>
+              <a:rPr lang="en-US" dirty="0" smtClean="0"/>
+              <a:t> </a:t>
+            </a:r>
+            <a:r>
+              <a:rPr lang="en-US" dirty="0" err="1" smtClean="0"/>
+              <a:t>sách</a:t>
+            </a:r>
+            <a:r>
+              <a:rPr lang="en-US" dirty="0" smtClean="0"/>
+              <a:t> </a:t>
+            </a:r>
+            <a:r>
+              <a:rPr lang="en-US" dirty="0" err="1" smtClean="0"/>
+              <a:t>bảng</a:t>
+            </a:r>
+            <a:r>
+              <a:rPr lang="en-US" dirty="0" smtClean="0"/>
+              <a:t> </a:t>
+            </a:r>
+            <a:r>
+              <a:rPr lang="en-US" dirty="0" err="1" smtClean="0"/>
+              <a:t>xếp</a:t>
+            </a:r>
+            <a:r>
+              <a:rPr lang="en-US" dirty="0" smtClean="0"/>
+              <a:t> </a:t>
+            </a:r>
+            <a:r>
+              <a:rPr lang="en-US" dirty="0" err="1" smtClean="0"/>
+              <a:t>hạng</a:t>
+            </a:r>
+            <a:endParaRPr lang="en-US" dirty="0" smtClean="0"/>
+          </a:p>
+          <a:p>
+            <a:pPr>
+              <a:buNone/>
+            </a:pPr>
+            <a:r>
+              <a:rPr lang="en-US" dirty="0" smtClean="0"/>
+              <a:t>Button </a:t>
+            </a:r>
+            <a:r>
+              <a:rPr lang="en-US" dirty="0" err="1" smtClean="0"/>
+              <a:t>yêu</a:t>
+            </a:r>
+            <a:r>
+              <a:rPr lang="en-US" dirty="0" smtClean="0"/>
+              <a:t> </a:t>
+            </a:r>
+            <a:r>
+              <a:rPr lang="en-US" dirty="0" err="1" smtClean="0"/>
+              <a:t>thích</a:t>
+            </a:r>
+            <a:r>
+              <a:rPr lang="en-US" dirty="0" smtClean="0"/>
+              <a:t> </a:t>
+            </a:r>
+            <a:r>
+              <a:rPr lang="en-US" dirty="0" err="1" smtClean="0"/>
+              <a:t>đưa</a:t>
+            </a:r>
+            <a:r>
+              <a:rPr lang="en-US" dirty="0" smtClean="0"/>
+              <a:t> </a:t>
+            </a:r>
+            <a:r>
+              <a:rPr lang="en-US" dirty="0" err="1" smtClean="0"/>
+              <a:t>bài</a:t>
+            </a:r>
+            <a:r>
+              <a:rPr lang="en-US" dirty="0" smtClean="0"/>
+              <a:t> </a:t>
+            </a:r>
+            <a:r>
+              <a:rPr lang="en-US" dirty="0" err="1" smtClean="0"/>
+              <a:t>hát</a:t>
+            </a:r>
+            <a:r>
+              <a:rPr lang="en-US" dirty="0" smtClean="0"/>
+              <a:t> </a:t>
+            </a:r>
+            <a:r>
+              <a:rPr lang="en-US" dirty="0" err="1" smtClean="0"/>
+              <a:t>vào</a:t>
+            </a:r>
+            <a:r>
+              <a:rPr lang="en-US" dirty="0" smtClean="0"/>
+              <a:t> </a:t>
+            </a:r>
+            <a:r>
+              <a:rPr lang="en-US" dirty="0" err="1" smtClean="0"/>
+              <a:t>mục</a:t>
+            </a:r>
+            <a:r>
+              <a:rPr lang="en-US" dirty="0" smtClean="0"/>
+              <a:t> </a:t>
+            </a:r>
+            <a:r>
+              <a:rPr lang="en-US" dirty="0" err="1" smtClean="0"/>
+              <a:t>yêu</a:t>
+            </a:r>
+            <a:r>
+              <a:rPr lang="en-US" dirty="0" smtClean="0"/>
+              <a:t> </a:t>
+            </a:r>
+            <a:r>
+              <a:rPr lang="en-US" dirty="0" err="1" smtClean="0"/>
+              <a:t>thích</a:t>
+            </a:r>
+            <a:endParaRPr lang="en-US" dirty="0" smtClean="0"/>
+          </a:p>
+          <a:p>
+            <a:pPr>
+              <a:buNone/>
+            </a:pPr>
+            <a:endParaRPr lang="en-US" dirty="0"/>
+          </a:p>
+        </p:txBody>
+      </p:sp>
+    </p:spTree>
+  </p:cSld>
+  <p:clrMapOvr>
+    <a:masterClrMapping/>
+  </p:clrMapOvr>
+</p:sld>
+</file>
+
+<file path=ppt/slides/slide6.xml><?xml version="1.0" encoding="utf-8"?>
+<p:sld xmlns:a="http://schemas.openxmlformats.org/drawingml/2006/main" xmlns:r="http://schemas.openxmlformats.org/officeDocument/2006/relationships" xmlns:p="http://schemas.openxmlformats.org/presentationml/2006/main">
+  <p:cSld>
+    <p:spTree>
+      <p:nvGrpSpPr>
+        <p:cNvPr id="1" name=""/>
+        <p:cNvGrpSpPr/>
+        <p:nvPr/>
+      </p:nvGrpSpPr>
+      <p:grpSpPr>
+        <a:xfrm>
+          <a:off x="0" y="0"/>
+          <a:ext cx="0" cy="0"/>
+          <a:chOff x="0" y="0"/>
+          <a:chExt cx="0" cy="0"/>
+        </a:xfrm>
+      </p:grpSpPr>
+      <p:sp>
+        <p:nvSpPr>
           <p:cNvPr id="2" name="Title 1"/>
           <p:cNvSpPr>
             <a:spLocks noGrp="1"/>
@@ -4899,7 +5597,7 @@
 </p:sld>
 </file>
 
-<file path=ppt/slides/slide6.xml><?xml version="1.0" encoding="utf-8"?>
+<file path=ppt/slides/slide7.xml><?xml version="1.0" encoding="utf-8"?>
 <p:sld xmlns:a="http://schemas.openxmlformats.org/drawingml/2006/main" xmlns:r="http://schemas.openxmlformats.org/officeDocument/2006/relationships" xmlns:p="http://schemas.openxmlformats.org/presentationml/2006/main">
   <p:cSld>
     <p:spTree>
@@ -5044,6 +5742,169 @@
           </a:prstGeom>
         </p:spPr>
       </p:pic>
+    </p:spTree>
+  </p:cSld>
+  <p:clrMapOvr>
+    <a:masterClrMapping/>
+  </p:clrMapOvr>
+</p:sld>
+</file>
+
+<file path=ppt/slides/slide8.xml><?xml version="1.0" encoding="utf-8"?>
+<p:sld xmlns:a="http://schemas.openxmlformats.org/drawingml/2006/main" xmlns:r="http://schemas.openxmlformats.org/officeDocument/2006/relationships" xmlns:p="http://schemas.openxmlformats.org/presentationml/2006/main">
+  <p:cSld>
+    <p:spTree>
+      <p:nvGrpSpPr>
+        <p:cNvPr id="1" name=""/>
+        <p:cNvGrpSpPr/>
+        <p:nvPr/>
+      </p:nvGrpSpPr>
+      <p:grpSpPr>
+        <a:xfrm>
+          <a:off x="0" y="0"/>
+          <a:ext cx="0" cy="0"/>
+          <a:chOff x="0" y="0"/>
+          <a:chExt cx="0" cy="0"/>
+        </a:xfrm>
+      </p:grpSpPr>
+      <p:sp>
+        <p:nvSpPr>
+          <p:cNvPr id="3" name="Content Placeholder 2"/>
+          <p:cNvSpPr>
+            <a:spLocks noGrp="1"/>
+          </p:cNvSpPr>
+          <p:nvPr>
+            <p:ph idx="1"/>
+          </p:nvPr>
+        </p:nvSpPr>
+        <p:spPr/>
+        <p:txBody>
+          <a:bodyPr/>
+          <a:lstStyle/>
+          <a:p>
+            <a:pPr>
+              <a:buNone/>
+            </a:pPr>
+            <a:r>
+              <a:rPr lang="en-US" dirty="0" err="1" smtClean="0"/>
+              <a:t>Chức</a:t>
+            </a:r>
+            <a:r>
+              <a:rPr lang="en-US" dirty="0" smtClean="0"/>
+              <a:t> </a:t>
+            </a:r>
+            <a:r>
+              <a:rPr lang="en-US" dirty="0" err="1" smtClean="0"/>
+              <a:t>năng</a:t>
+            </a:r>
+            <a:r>
+              <a:rPr lang="en-US" dirty="0" smtClean="0"/>
+              <a:t> : </a:t>
+            </a:r>
+            <a:r>
+              <a:rPr lang="en-US" dirty="0" err="1" smtClean="0"/>
+              <a:t>có</a:t>
+            </a:r>
+            <a:r>
+              <a:rPr lang="en-US" dirty="0" smtClean="0"/>
+              <a:t> </a:t>
+            </a:r>
+            <a:r>
+              <a:rPr lang="en-US" dirty="0" err="1" smtClean="0"/>
+              <a:t>thể</a:t>
+            </a:r>
+            <a:r>
+              <a:rPr lang="en-US" dirty="0" smtClean="0"/>
+              <a:t> </a:t>
+            </a:r>
+            <a:r>
+              <a:rPr lang="en-US" dirty="0" err="1" smtClean="0"/>
+              <a:t>điều</a:t>
+            </a:r>
+            <a:r>
+              <a:rPr lang="en-US" dirty="0" smtClean="0"/>
+              <a:t> </a:t>
+            </a:r>
+            <a:r>
+              <a:rPr lang="en-US" dirty="0" err="1" smtClean="0"/>
+              <a:t>kiển</a:t>
+            </a:r>
+            <a:r>
+              <a:rPr lang="en-US" dirty="0" smtClean="0"/>
+              <a:t> </a:t>
+            </a:r>
+            <a:r>
+              <a:rPr lang="en-US" dirty="0" err="1" smtClean="0"/>
+              <a:t>được</a:t>
+            </a:r>
+            <a:r>
+              <a:rPr lang="en-US" dirty="0" smtClean="0"/>
+              <a:t> </a:t>
+            </a:r>
+            <a:r>
+              <a:rPr lang="en-US" dirty="0" err="1" smtClean="0"/>
+              <a:t>nhạc</a:t>
+            </a:r>
+            <a:r>
+              <a:rPr lang="en-US" dirty="0" smtClean="0"/>
+              <a:t> </a:t>
+            </a:r>
+            <a:r>
+              <a:rPr lang="en-US" dirty="0" err="1" smtClean="0"/>
+              <a:t>mà</a:t>
+            </a:r>
+            <a:r>
+              <a:rPr lang="en-US" dirty="0" smtClean="0"/>
+              <a:t> </a:t>
+            </a:r>
+            <a:r>
+              <a:rPr lang="en-US" dirty="0" err="1" smtClean="0"/>
+              <a:t>không</a:t>
+            </a:r>
+            <a:r>
+              <a:rPr lang="en-US" dirty="0" smtClean="0"/>
+              <a:t> </a:t>
+            </a:r>
+            <a:r>
+              <a:rPr lang="en-US" dirty="0" err="1" smtClean="0"/>
+              <a:t>cần</a:t>
+            </a:r>
+            <a:r>
+              <a:rPr lang="en-US" dirty="0" smtClean="0"/>
+              <a:t> </a:t>
+            </a:r>
+            <a:r>
+              <a:rPr lang="en-US" dirty="0" err="1" smtClean="0"/>
+              <a:t>phải</a:t>
+            </a:r>
+            <a:r>
+              <a:rPr lang="en-US" dirty="0" smtClean="0"/>
+              <a:t> </a:t>
+            </a:r>
+            <a:r>
+              <a:rPr lang="en-US" dirty="0" err="1" smtClean="0"/>
+              <a:t>vào</a:t>
+            </a:r>
+            <a:r>
+              <a:rPr lang="en-US" dirty="0" smtClean="0"/>
+              <a:t> </a:t>
+            </a:r>
+            <a:r>
+              <a:rPr lang="en-US" dirty="0" err="1" smtClean="0"/>
+              <a:t>trong</a:t>
+            </a:r>
+            <a:r>
+              <a:rPr lang="en-US" dirty="0" smtClean="0"/>
+              <a:t> activity play </a:t>
+            </a:r>
+            <a:r>
+              <a:rPr lang="en-US" dirty="0" err="1" smtClean="0"/>
+              <a:t>nhạc</a:t>
+            </a:r>
+            <a:endParaRPr lang="en-US" dirty="0"/>
+          </a:p>
+        </p:txBody>
+      </p:sp>
     </p:spTree>
   </p:cSld>
   <p:clrMapOvr>
